--- a/2/lr.pptx
+++ b/2/lr.pptx
@@ -185,63 +185,7 @@
             <c:forward val="1"/>
             <c:backward val="1"/>
             <c:dispRSqr val="0"/>
-            <c:dispEq val="1"/>
-            <c:trendlineLbl>
-              <c:tx>
-                <c:rich>
-                  <a:bodyPr rot="0" spcFirstLastPara="1" vertOverflow="ellipsis" vert="horz" wrap="square" anchor="ctr" anchorCtr="1"/>
-                  <a:lstStyle/>
-                  <a:p>
-                    <a:pPr>
-                      <a:defRPr sz="1197" b="0" i="0" u="none" strike="noStrike" kern="1200" baseline="0">
-                        <a:solidFill>
-                          <a:schemeClr val="tx1">
-                            <a:lumMod val="65000"/>
-                            <a:lumOff val="35000"/>
-                          </a:schemeClr>
-                        </a:solidFill>
-                        <a:latin typeface="+mn-lt"/>
-                        <a:ea typeface="+mn-ea"/>
-                        <a:cs typeface="+mn-cs"/>
-                      </a:defRPr>
-                    </a:pPr>
-                    <a:r>
-                      <a:rPr lang="en-US" baseline="0" dirty="0"/>
-                      <a:t>y = 2.3658x + 0.235</a:t>
-                    </a:r>
-                    <a:endParaRPr lang="en-US" dirty="0"/>
-                  </a:p>
-                </c:rich>
-              </c:tx>
-              <c:numFmt formatCode="General" sourceLinked="0"/>
-              <c:spPr>
-                <a:noFill/>
-                <a:ln>
-                  <a:noFill/>
-                </a:ln>
-                <a:effectLst/>
-              </c:spPr>
-              <c:txPr>
-                <a:bodyPr rot="0" spcFirstLastPara="1" vertOverflow="ellipsis" vert="horz" wrap="square" anchor="ctr" anchorCtr="1"/>
-                <a:lstStyle/>
-                <a:p>
-                  <a:pPr>
-                    <a:defRPr sz="1197" b="0" i="0" u="none" strike="noStrike" kern="1200" baseline="0">
-                      <a:solidFill>
-                        <a:schemeClr val="tx1">
-                          <a:lumMod val="65000"/>
-                          <a:lumOff val="35000"/>
-                        </a:schemeClr>
-                      </a:solidFill>
-                      <a:latin typeface="+mn-lt"/>
-                      <a:ea typeface="+mn-ea"/>
-                      <a:cs typeface="+mn-cs"/>
-                    </a:defRPr>
-                  </a:pPr>
-                  <a:endParaRPr lang="en-US"/>
-                </a:p>
-              </c:txPr>
-            </c:trendlineLbl>
+            <c:dispEq val="0"/>
           </c:trendline>
           <c:xVal>
             <c:numRef>
@@ -1268,7 +1212,7 @@
           <a:p>
             <a:fld id="{48A87A34-81AB-432B-8DAE-1953F412C126}" type="datetimeFigureOut">
               <a:rPr lang="en-US" smtClean="0"/>
-              <a:t>2/19/2020</a:t>
+              <a:t>2/27/2020</a:t>
             </a:fld>
             <a:endParaRPr lang="en-US" dirty="0"/>
           </a:p>
@@ -1476,7 +1420,7 @@
           <a:p>
             <a:fld id="{48A87A34-81AB-432B-8DAE-1953F412C126}" type="datetimeFigureOut">
               <a:rPr lang="en-US" smtClean="0"/>
-              <a:t>2/19/2020</a:t>
+              <a:t>2/27/2020</a:t>
             </a:fld>
             <a:endParaRPr lang="en-US" dirty="0"/>
           </a:p>
@@ -1732,7 +1676,7 @@
           <a:p>
             <a:fld id="{48A87A34-81AB-432B-8DAE-1953F412C126}" type="datetimeFigureOut">
               <a:rPr lang="en-US" smtClean="0"/>
-              <a:t>2/19/2020</a:t>
+              <a:t>2/27/2020</a:t>
             </a:fld>
             <a:endParaRPr lang="en-US" dirty="0"/>
           </a:p>
@@ -1906,7 +1850,7 @@
           <a:p>
             <a:fld id="{48A87A34-81AB-432B-8DAE-1953F412C126}" type="datetimeFigureOut">
               <a:rPr lang="en-US" smtClean="0"/>
-              <a:t>2/19/2020</a:t>
+              <a:t>2/27/2020</a:t>
             </a:fld>
             <a:endParaRPr lang="en-US" dirty="0"/>
           </a:p>
@@ -2249,7 +2193,7 @@
           <a:p>
             <a:fld id="{48A87A34-81AB-432B-8DAE-1953F412C126}" type="datetimeFigureOut">
               <a:rPr lang="en-US" smtClean="0"/>
-              <a:t>2/19/2020</a:t>
+              <a:t>2/27/2020</a:t>
             </a:fld>
             <a:endParaRPr lang="en-US" dirty="0"/>
           </a:p>
@@ -2524,7 +2468,7 @@
           <a:p>
             <a:fld id="{48A87A34-81AB-432B-8DAE-1953F412C126}" type="datetimeFigureOut">
               <a:rPr lang="en-US" smtClean="0"/>
-              <a:t>2/19/2020</a:t>
+              <a:t>2/27/2020</a:t>
             </a:fld>
             <a:endParaRPr lang="en-US" dirty="0"/>
           </a:p>
@@ -2903,7 +2847,7 @@
           <a:p>
             <a:fld id="{48A87A34-81AB-432B-8DAE-1953F412C126}" type="datetimeFigureOut">
               <a:rPr lang="en-US" smtClean="0"/>
-              <a:t>2/19/2020</a:t>
+              <a:t>2/27/2020</a:t>
             </a:fld>
             <a:endParaRPr lang="en-US" dirty="0"/>
           </a:p>
@@ -3021,7 +2965,7 @@
           <a:p>
             <a:fld id="{48A87A34-81AB-432B-8DAE-1953F412C126}" type="datetimeFigureOut">
               <a:rPr lang="en-US" smtClean="0"/>
-              <a:t>2/19/2020</a:t>
+              <a:t>2/27/2020</a:t>
             </a:fld>
             <a:endParaRPr lang="en-US" dirty="0"/>
           </a:p>
@@ -3192,7 +3136,7 @@
           <a:p>
             <a:fld id="{48A87A34-81AB-432B-8DAE-1953F412C126}" type="datetimeFigureOut">
               <a:rPr lang="en-US" smtClean="0"/>
-              <a:t>2/19/2020</a:t>
+              <a:t>2/27/2020</a:t>
             </a:fld>
             <a:endParaRPr lang="en-US" dirty="0"/>
           </a:p>
@@ -3546,7 +3490,7 @@
           <a:p>
             <a:fld id="{48A87A34-81AB-432B-8DAE-1953F412C126}" type="datetimeFigureOut">
               <a:rPr lang="en-US" smtClean="0"/>
-              <a:t>2/19/2020</a:t>
+              <a:t>2/27/2020</a:t>
             </a:fld>
             <a:endParaRPr lang="en-US" dirty="0"/>
           </a:p>
@@ -3929,7 +3873,7 @@
             <a:fld id="{48A87A34-81AB-432B-8DAE-1953F412C126}" type="datetimeFigureOut">
               <a:rPr lang="en-US" smtClean="0"/>
               <a:pPr/>
-              <a:t>2/19/2020</a:t>
+              <a:t>2/27/2020</a:t>
             </a:fld>
             <a:endParaRPr lang="en-US" dirty="0"/>
           </a:p>
@@ -4217,7 +4161,7 @@
             <a:fld id="{48A87A34-81AB-432B-8DAE-1953F412C126}" type="datetimeFigureOut">
               <a:rPr lang="en-US" smtClean="0"/>
               <a:pPr/>
-              <a:t>2/19/2020</a:t>
+              <a:t>2/27/2020</a:t>
             </a:fld>
             <a:endParaRPr lang="en-US" dirty="0"/>
           </a:p>
@@ -4765,8 +4709,8 @@
           </a:p>
         </p:txBody>
       </p:sp>
-      <mc:AlternateContent xmlns:mc="http://schemas.openxmlformats.org/markup-compatibility/2006">
-        <mc:Choice xmlns:a14="http://schemas.microsoft.com/office/drawing/2010/main" Requires="a14">
+      <mc:AlternateContent xmlns:mc="http://schemas.openxmlformats.org/markup-compatibility/2006" xmlns:a14="http://schemas.microsoft.com/office/drawing/2010/main">
+        <mc:Choice Requires="a14">
           <p:sp>
             <p:nvSpPr>
               <p:cNvPr id="3" name="Content Placeholder 2"/>
@@ -5649,7 +5593,7 @@
             </p:txBody>
           </p:sp>
         </mc:Choice>
-        <mc:Fallback>
+        <mc:Fallback xmlns="">
           <p:sp>
             <p:nvSpPr>
               <p:cNvPr id="3" name="Content Placeholder 2"/>
@@ -6088,7 +6032,7 @@
             <p:ph idx="1"/>
             <p:extLst>
               <p:ext uri="{D42A27DB-BD31-4B8C-83A1-F6EECF244321}">
-                <p14:modId xmlns:p14="http://schemas.microsoft.com/office/powerpoint/2010/main" val="3889771069"/>
+                <p14:modId xmlns:p14="http://schemas.microsoft.com/office/powerpoint/2010/main" val="790301078"/>
               </p:ext>
             </p:extLst>
           </p:nvPr>
@@ -6103,6 +6047,175 @@
           </a:graphicData>
         </a:graphic>
       </p:graphicFrame>
+      <mc:AlternateContent xmlns:mc="http://schemas.openxmlformats.org/markup-compatibility/2006">
+        <mc:Choice xmlns:a14="http://schemas.microsoft.com/office/drawing/2010/main" Requires="a14">
+          <p:sp>
+            <p:nvSpPr>
+              <p:cNvPr id="2" name="TextBox 1">
+                <a:extLst>
+                  <a:ext uri="{FF2B5EF4-FFF2-40B4-BE49-F238E27FC236}">
+                    <a16:creationId xmlns:a16="http://schemas.microsoft.com/office/drawing/2014/main" id="{6F261FE7-687F-499A-9323-F1DDA3622CFE}"/>
+                  </a:ext>
+                </a:extLst>
+              </p:cNvPr>
+              <p:cNvSpPr txBox="1"/>
+              <p:nvPr/>
+            </p:nvSpPr>
+            <p:spPr>
+              <a:xfrm>
+                <a:off x="5922626" y="2373738"/>
+                <a:ext cx="1551964" cy="276999"/>
+              </a:xfrm>
+              <a:prstGeom prst="rect">
+                <a:avLst/>
+              </a:prstGeom>
+              <a:noFill/>
+            </p:spPr>
+            <p:txBody>
+              <a:bodyPr wrap="square" rtlCol="0">
+                <a:spAutoFit/>
+              </a:bodyPr>
+              <a:lstStyle/>
+              <a:p>
+                <a14:m>
+                  <m:oMathPara xmlns:m="http://schemas.openxmlformats.org/officeDocument/2006/math">
+                    <m:oMathParaPr>
+                      <m:jc m:val="centerGroup"/>
+                    </m:oMathParaPr>
+                    <m:oMath xmlns:m="http://schemas.openxmlformats.org/officeDocument/2006/math">
+                      <m:acc>
+                        <m:accPr>
+                          <m:chr m:val="̂"/>
+                          <m:ctrlPr>
+                            <a:rPr lang="en-US" sz="1200" i="1" smtClean="0">
+                              <a:latin typeface="Cambria Math" panose="02040503050406030204" pitchFamily="18" charset="0"/>
+                            </a:rPr>
+                          </m:ctrlPr>
+                        </m:accPr>
+                        <m:e>
+                          <m:r>
+                            <a:rPr lang="en-GB" sz="1200" b="0" i="1" smtClean="0">
+                              <a:latin typeface="Cambria Math" panose="02040503050406030204" pitchFamily="18" charset="0"/>
+                            </a:rPr>
+                            <m:t>𝑦</m:t>
+                          </m:r>
+                        </m:e>
+                      </m:acc>
+                      <m:r>
+                        <a:rPr lang="en-GB" sz="1200" b="0" i="1" smtClean="0">
+                          <a:latin typeface="Cambria Math" panose="02040503050406030204" pitchFamily="18" charset="0"/>
+                        </a:rPr>
+                        <m:t>=</m:t>
+                      </m:r>
+                      <m:r>
+                        <m:rPr>
+                          <m:nor/>
+                        </m:rPr>
+                        <a:rPr lang="en-US" sz="1200" dirty="0"/>
+                        <m:t>2</m:t>
+                      </m:r>
+                      <m:r>
+                        <m:rPr>
+                          <m:nor/>
+                        </m:rPr>
+                        <a:rPr lang="en-US" sz="1200" dirty="0"/>
+                        <m:t>.</m:t>
+                      </m:r>
+                      <m:r>
+                        <m:rPr>
+                          <m:nor/>
+                        </m:rPr>
+                        <a:rPr lang="en-US" sz="1200" dirty="0"/>
+                        <m:t>3658</m:t>
+                      </m:r>
+                      <m:r>
+                        <m:rPr>
+                          <m:nor/>
+                        </m:rPr>
+                        <a:rPr lang="en-US" sz="1200" dirty="0"/>
+                        <m:t>x</m:t>
+                      </m:r>
+                      <m:r>
+                        <m:rPr>
+                          <m:nor/>
+                        </m:rPr>
+                        <a:rPr lang="en-US" sz="1200" dirty="0"/>
+                        <m:t> + </m:t>
+                      </m:r>
+                      <m:r>
+                        <m:rPr>
+                          <m:nor/>
+                        </m:rPr>
+                        <a:rPr lang="en-US" sz="1200" dirty="0"/>
+                        <m:t>0</m:t>
+                      </m:r>
+                      <m:r>
+                        <m:rPr>
+                          <m:nor/>
+                        </m:rPr>
+                        <a:rPr lang="en-US" sz="1200" dirty="0"/>
+                        <m:t>.</m:t>
+                      </m:r>
+                      <m:r>
+                        <m:rPr>
+                          <m:nor/>
+                        </m:rPr>
+                        <a:rPr lang="en-US" sz="1200" dirty="0"/>
+                        <m:t>235</m:t>
+                      </m:r>
+                    </m:oMath>
+                  </m:oMathPara>
+                </a14:m>
+                <a:endParaRPr lang="en-GB" sz="1200" dirty="0"/>
+              </a:p>
+            </p:txBody>
+          </p:sp>
+        </mc:Choice>
+        <mc:Fallback>
+          <p:sp>
+            <p:nvSpPr>
+              <p:cNvPr id="2" name="TextBox 1">
+                <a:extLst>
+                  <a:ext uri="{FF2B5EF4-FFF2-40B4-BE49-F238E27FC236}">
+                    <a16:creationId xmlns:a16="http://schemas.microsoft.com/office/drawing/2014/main" id="{6F261FE7-687F-499A-9323-F1DDA3622CFE}"/>
+                  </a:ext>
+                </a:extLst>
+              </p:cNvPr>
+              <p:cNvSpPr txBox="1">
+                <a:spLocks noRot="1" noChangeAspect="1" noMove="1" noResize="1" noEditPoints="1" noAdjustHandles="1" noChangeArrowheads="1" noChangeShapeType="1" noTextEdit="1"/>
+              </p:cNvSpPr>
+              <p:nvPr/>
+            </p:nvSpPr>
+            <p:spPr>
+              <a:xfrm>
+                <a:off x="5922626" y="2373738"/>
+                <a:ext cx="1551964" cy="276999"/>
+              </a:xfrm>
+              <a:prstGeom prst="rect">
+                <a:avLst/>
+              </a:prstGeom>
+              <a:blipFill>
+                <a:blip r:embed="rId3"/>
+                <a:stretch>
+                  <a:fillRect/>
+                </a:stretch>
+              </a:blipFill>
+            </p:spPr>
+            <p:txBody>
+              <a:bodyPr/>
+              <a:lstStyle/>
+              <a:p>
+                <a:r>
+                  <a:rPr lang="en-GB">
+                    <a:noFill/>
+                  </a:rPr>
+                  <a:t> </a:t>
+                </a:r>
+              </a:p>
+            </p:txBody>
+          </p:sp>
+        </mc:Fallback>
+      </mc:AlternateContent>
     </p:spTree>
     <p:extLst>
       <p:ext uri="{BB962C8B-B14F-4D97-AF65-F5344CB8AC3E}">
@@ -6164,8 +6277,8 @@
           </a:p>
         </p:txBody>
       </p:sp>
-      <mc:AlternateContent xmlns:mc="http://schemas.openxmlformats.org/markup-compatibility/2006">
-        <mc:Choice xmlns:a14="http://schemas.microsoft.com/office/drawing/2010/main" Requires="a14">
+      <mc:AlternateContent xmlns:mc="http://schemas.openxmlformats.org/markup-compatibility/2006" xmlns:a14="http://schemas.microsoft.com/office/drawing/2010/main">
+        <mc:Choice Requires="a14">
           <p:graphicFrame>
             <p:nvGraphicFramePr>
               <p:cNvPr id="4" name="Table 3"/>
@@ -7701,7 +7814,7 @@
             </a:graphic>
           </p:graphicFrame>
         </mc:Choice>
-        <mc:Fallback>
+        <mc:Fallback xmlns="">
           <p:graphicFrame>
             <p:nvGraphicFramePr>
               <p:cNvPr id="4" name="Table 3"/>
@@ -8957,8 +9070,8 @@
           </a:p>
         </p:txBody>
       </p:sp>
-      <mc:AlternateContent xmlns:mc="http://schemas.openxmlformats.org/markup-compatibility/2006">
-        <mc:Choice xmlns:a14="http://schemas.microsoft.com/office/drawing/2010/main" Requires="a14">
+      <mc:AlternateContent xmlns:mc="http://schemas.openxmlformats.org/markup-compatibility/2006" xmlns:a14="http://schemas.microsoft.com/office/drawing/2010/main">
+        <mc:Choice Requires="a14">
           <p:sp>
             <p:nvSpPr>
               <p:cNvPr id="7" name="TextBox 6"/>
@@ -9148,7 +9261,7 @@
             </p:txBody>
           </p:sp>
         </mc:Choice>
-        <mc:Fallback>
+        <mc:Fallback xmlns="">
           <p:sp>
             <p:nvSpPr>
               <p:cNvPr id="7" name="TextBox 6"/>
@@ -9187,8 +9300,8 @@
           </p:sp>
         </mc:Fallback>
       </mc:AlternateContent>
-      <mc:AlternateContent xmlns:mc="http://schemas.openxmlformats.org/markup-compatibility/2006">
-        <mc:Choice xmlns:a14="http://schemas.microsoft.com/office/drawing/2010/main" Requires="a14">
+      <mc:AlternateContent xmlns:mc="http://schemas.openxmlformats.org/markup-compatibility/2006" xmlns:a14="http://schemas.microsoft.com/office/drawing/2010/main">
+        <mc:Choice Requires="a14">
           <p:sp>
             <p:nvSpPr>
               <p:cNvPr id="9" name="TextBox 8"/>
@@ -9352,7 +9465,7 @@
             </p:txBody>
           </p:sp>
         </mc:Choice>
-        <mc:Fallback>
+        <mc:Fallback xmlns="">
           <p:sp>
             <p:nvSpPr>
               <p:cNvPr id="9" name="TextBox 8"/>
@@ -9391,8 +9504,8 @@
           </p:sp>
         </mc:Fallback>
       </mc:AlternateContent>
-      <mc:AlternateContent xmlns:mc="http://schemas.openxmlformats.org/markup-compatibility/2006">
-        <mc:Choice xmlns:a14="http://schemas.microsoft.com/office/drawing/2010/main" Requires="a14">
+      <mc:AlternateContent xmlns:mc="http://schemas.openxmlformats.org/markup-compatibility/2006" xmlns:a14="http://schemas.microsoft.com/office/drawing/2010/main">
+        <mc:Choice Requires="a14">
           <p:sp>
             <p:nvSpPr>
               <p:cNvPr id="8" name="Rectangle 7"/>
@@ -9682,7 +9795,7 @@
             </p:txBody>
           </p:sp>
         </mc:Choice>
-        <mc:Fallback>
+        <mc:Fallback xmlns="">
           <p:sp>
             <p:nvSpPr>
               <p:cNvPr id="8" name="Rectangle 7"/>
@@ -10008,8 +10121,8 @@
           </a:p>
         </p:txBody>
       </p:sp>
-      <mc:AlternateContent xmlns:mc="http://schemas.openxmlformats.org/markup-compatibility/2006">
-        <mc:Choice xmlns:a14="http://schemas.microsoft.com/office/drawing/2010/main" Requires="a14">
+      <mc:AlternateContent xmlns:mc="http://schemas.openxmlformats.org/markup-compatibility/2006" xmlns:a14="http://schemas.microsoft.com/office/drawing/2010/main">
+        <mc:Choice Requires="a14">
           <p:sp>
             <p:nvSpPr>
               <p:cNvPr id="3" name="Content Placeholder 2">
@@ -10362,7 +10475,7 @@
             </p:txBody>
           </p:sp>
         </mc:Choice>
-        <mc:Fallback>
+        <mc:Fallback xmlns="">
           <p:sp>
             <p:nvSpPr>
               <p:cNvPr id="3" name="Content Placeholder 2">
